--- a/ppt 16-9/1442.有一天.pptx
+++ b/ppt 16-9/1442.有一天.pptx
@@ -129,7 +129,7 @@
           <p:cNvPr id="2" name="标题 1">
             <a:extLst>
               <a:ext uri="{FF2B5EF4-FFF2-40B4-BE49-F238E27FC236}">
-                <a16:creationId xmlns:a16="http://schemas.microsoft.com/office/drawing/2014/main" id="{C073ED6B-807D-EBD2-BB09-3F889B539974}"/>
+                <a16:creationId xmlns:a16="http://schemas.microsoft.com/office/drawing/2014/main" id="{70F37ABB-3461-8E93-9402-734725B1A160}"/>
               </a:ext>
             </a:extLst>
           </p:cNvPr>
@@ -166,7 +166,7 @@
           <p:cNvPr id="3" name="副标题 2">
             <a:extLst>
               <a:ext uri="{FF2B5EF4-FFF2-40B4-BE49-F238E27FC236}">
-                <a16:creationId xmlns:a16="http://schemas.microsoft.com/office/drawing/2014/main" id="{474C3445-6264-9860-583F-767FDA636BCD}"/>
+                <a16:creationId xmlns:a16="http://schemas.microsoft.com/office/drawing/2014/main" id="{3B5B19A8-681A-E63D-F610-A1E50D21A874}"/>
               </a:ext>
             </a:extLst>
           </p:cNvPr>
@@ -236,7 +236,7 @@
           <p:cNvPr id="4" name="日期占位符 3">
             <a:extLst>
               <a:ext uri="{FF2B5EF4-FFF2-40B4-BE49-F238E27FC236}">
-                <a16:creationId xmlns:a16="http://schemas.microsoft.com/office/drawing/2014/main" id="{20DC9CC1-7897-539D-F17E-100448877320}"/>
+                <a16:creationId xmlns:a16="http://schemas.microsoft.com/office/drawing/2014/main" id="{564F2DE0-20D0-D02F-D962-B6B3FDA38138}"/>
               </a:ext>
             </a:extLst>
           </p:cNvPr>
@@ -252,7 +252,7 @@
           <a:bodyPr/>
           <a:lstStyle/>
           <a:p>
-            <a:fld id="{EA8458E0-8657-465F-8B98-B8F8FEDA8776}" type="datetimeFigureOut">
+            <a:fld id="{BD300C9F-15BE-4695-A2A3-C389B62D3505}" type="datetimeFigureOut">
               <a:rPr lang="zh-CN" altLang="en-US" smtClean="0"/>
               <a:t>2024/3/10</a:t>
             </a:fld>
@@ -265,7 +265,7 @@
           <p:cNvPr id="5" name="页脚占位符 4">
             <a:extLst>
               <a:ext uri="{FF2B5EF4-FFF2-40B4-BE49-F238E27FC236}">
-                <a16:creationId xmlns:a16="http://schemas.microsoft.com/office/drawing/2014/main" id="{705C9DA2-9131-4A7D-A703-FC5580D54E1C}"/>
+                <a16:creationId xmlns:a16="http://schemas.microsoft.com/office/drawing/2014/main" id="{790E5BA9-29AE-C3EF-B610-93E6D0BE16A9}"/>
               </a:ext>
             </a:extLst>
           </p:cNvPr>
@@ -290,7 +290,7 @@
           <p:cNvPr id="6" name="灯片编号占位符 5">
             <a:extLst>
               <a:ext uri="{FF2B5EF4-FFF2-40B4-BE49-F238E27FC236}">
-                <a16:creationId xmlns:a16="http://schemas.microsoft.com/office/drawing/2014/main" id="{8961B296-2474-F0F1-835F-255778493A89}"/>
+                <a16:creationId xmlns:a16="http://schemas.microsoft.com/office/drawing/2014/main" id="{D8EDDE8E-7961-5C19-74AD-F8B8E435ABE8}"/>
               </a:ext>
             </a:extLst>
           </p:cNvPr>
@@ -306,7 +306,7 @@
           <a:bodyPr/>
           <a:lstStyle/>
           <a:p>
-            <a:fld id="{5B6C1C80-2D1C-4C77-AFFD-D149E93F62D5}" type="slidenum">
+            <a:fld id="{7CC6F450-92D7-4833-9888-24FBB616E9C3}" type="slidenum">
               <a:rPr lang="zh-CN" altLang="en-US" smtClean="0"/>
               <a:t>‹#›</a:t>
             </a:fld>
@@ -317,7 +317,7 @@
     </p:spTree>
     <p:extLst>
       <p:ext uri="{BB962C8B-B14F-4D97-AF65-F5344CB8AC3E}">
-        <p14:creationId xmlns:p14="http://schemas.microsoft.com/office/powerpoint/2010/main" val="950296675"/>
+        <p14:creationId xmlns:p14="http://schemas.microsoft.com/office/powerpoint/2010/main" val="432540391"/>
       </p:ext>
     </p:extLst>
   </p:cSld>
@@ -349,7 +349,7 @@
           <p:cNvPr id="2" name="标题 1">
             <a:extLst>
               <a:ext uri="{FF2B5EF4-FFF2-40B4-BE49-F238E27FC236}">
-                <a16:creationId xmlns:a16="http://schemas.microsoft.com/office/drawing/2014/main" id="{9E4B4B73-6992-84B8-118C-339D67FC1941}"/>
+                <a16:creationId xmlns:a16="http://schemas.microsoft.com/office/drawing/2014/main" id="{419162D6-AE3A-5B55-9436-5730FAE2DB3C}"/>
               </a:ext>
             </a:extLst>
           </p:cNvPr>
@@ -377,7 +377,7 @@
           <p:cNvPr id="3" name="竖排文字占位符 2">
             <a:extLst>
               <a:ext uri="{FF2B5EF4-FFF2-40B4-BE49-F238E27FC236}">
-                <a16:creationId xmlns:a16="http://schemas.microsoft.com/office/drawing/2014/main" id="{DAB47B8D-3524-22A0-88F8-E26AA7EE7667}"/>
+                <a16:creationId xmlns:a16="http://schemas.microsoft.com/office/drawing/2014/main" id="{7374385D-2326-37BB-CA7D-31D4057CFA7B}"/>
               </a:ext>
             </a:extLst>
           </p:cNvPr>
@@ -434,7 +434,7 @@
           <p:cNvPr id="4" name="日期占位符 3">
             <a:extLst>
               <a:ext uri="{FF2B5EF4-FFF2-40B4-BE49-F238E27FC236}">
-                <a16:creationId xmlns:a16="http://schemas.microsoft.com/office/drawing/2014/main" id="{EE2BD797-1B4E-EB24-C05C-DD458E05EF73}"/>
+                <a16:creationId xmlns:a16="http://schemas.microsoft.com/office/drawing/2014/main" id="{527F8D91-DAB6-F3F1-AA1B-7D675BD265DF}"/>
               </a:ext>
             </a:extLst>
           </p:cNvPr>
@@ -450,7 +450,7 @@
           <a:bodyPr/>
           <a:lstStyle/>
           <a:p>
-            <a:fld id="{EA8458E0-8657-465F-8B98-B8F8FEDA8776}" type="datetimeFigureOut">
+            <a:fld id="{BD300C9F-15BE-4695-A2A3-C389B62D3505}" type="datetimeFigureOut">
               <a:rPr lang="zh-CN" altLang="en-US" smtClean="0"/>
               <a:t>2024/3/10</a:t>
             </a:fld>
@@ -463,7 +463,7 @@
           <p:cNvPr id="5" name="页脚占位符 4">
             <a:extLst>
               <a:ext uri="{FF2B5EF4-FFF2-40B4-BE49-F238E27FC236}">
-                <a16:creationId xmlns:a16="http://schemas.microsoft.com/office/drawing/2014/main" id="{AE3951F7-30E0-D830-A6E0-DDD83B33F972}"/>
+                <a16:creationId xmlns:a16="http://schemas.microsoft.com/office/drawing/2014/main" id="{F74C2937-E267-0ED7-16CF-4B514FB24D1E}"/>
               </a:ext>
             </a:extLst>
           </p:cNvPr>
@@ -488,7 +488,7 @@
           <p:cNvPr id="6" name="灯片编号占位符 5">
             <a:extLst>
               <a:ext uri="{FF2B5EF4-FFF2-40B4-BE49-F238E27FC236}">
-                <a16:creationId xmlns:a16="http://schemas.microsoft.com/office/drawing/2014/main" id="{F2856EC6-DD50-FA49-F0F2-619D206184E2}"/>
+                <a16:creationId xmlns:a16="http://schemas.microsoft.com/office/drawing/2014/main" id="{C46F220B-FDCB-03C2-73D6-06369DA3E8C9}"/>
               </a:ext>
             </a:extLst>
           </p:cNvPr>
@@ -504,7 +504,7 @@
           <a:bodyPr/>
           <a:lstStyle/>
           <a:p>
-            <a:fld id="{5B6C1C80-2D1C-4C77-AFFD-D149E93F62D5}" type="slidenum">
+            <a:fld id="{7CC6F450-92D7-4833-9888-24FBB616E9C3}" type="slidenum">
               <a:rPr lang="zh-CN" altLang="en-US" smtClean="0"/>
               <a:t>‹#›</a:t>
             </a:fld>
@@ -515,7 +515,7 @@
     </p:spTree>
     <p:extLst>
       <p:ext uri="{BB962C8B-B14F-4D97-AF65-F5344CB8AC3E}">
-        <p14:creationId xmlns:p14="http://schemas.microsoft.com/office/powerpoint/2010/main" val="1857264782"/>
+        <p14:creationId xmlns:p14="http://schemas.microsoft.com/office/powerpoint/2010/main" val="788095946"/>
       </p:ext>
     </p:extLst>
   </p:cSld>
@@ -547,7 +547,7 @@
           <p:cNvPr id="2" name="竖排标题 1">
             <a:extLst>
               <a:ext uri="{FF2B5EF4-FFF2-40B4-BE49-F238E27FC236}">
-                <a16:creationId xmlns:a16="http://schemas.microsoft.com/office/drawing/2014/main" id="{B0B22923-C696-930D-7216-EBBABAC21452}"/>
+                <a16:creationId xmlns:a16="http://schemas.microsoft.com/office/drawing/2014/main" id="{CDDDCFBC-BF6A-4661-D249-54986B03AFA5}"/>
               </a:ext>
             </a:extLst>
           </p:cNvPr>
@@ -580,7 +580,7 @@
           <p:cNvPr id="3" name="竖排文字占位符 2">
             <a:extLst>
               <a:ext uri="{FF2B5EF4-FFF2-40B4-BE49-F238E27FC236}">
-                <a16:creationId xmlns:a16="http://schemas.microsoft.com/office/drawing/2014/main" id="{0B0B072B-F8AB-6415-1A7A-6DF3428606F5}"/>
+                <a16:creationId xmlns:a16="http://schemas.microsoft.com/office/drawing/2014/main" id="{B37D813F-187C-CE43-EA89-BA6CF38C32A6}"/>
               </a:ext>
             </a:extLst>
           </p:cNvPr>
@@ -642,7 +642,7 @@
           <p:cNvPr id="4" name="日期占位符 3">
             <a:extLst>
               <a:ext uri="{FF2B5EF4-FFF2-40B4-BE49-F238E27FC236}">
-                <a16:creationId xmlns:a16="http://schemas.microsoft.com/office/drawing/2014/main" id="{9C450459-2AA9-A1E2-3413-556F833DFCE5}"/>
+                <a16:creationId xmlns:a16="http://schemas.microsoft.com/office/drawing/2014/main" id="{5A3FB117-157A-BA1B-E877-CF4263FA88D9}"/>
               </a:ext>
             </a:extLst>
           </p:cNvPr>
@@ -658,7 +658,7 @@
           <a:bodyPr/>
           <a:lstStyle/>
           <a:p>
-            <a:fld id="{EA8458E0-8657-465F-8B98-B8F8FEDA8776}" type="datetimeFigureOut">
+            <a:fld id="{BD300C9F-15BE-4695-A2A3-C389B62D3505}" type="datetimeFigureOut">
               <a:rPr lang="zh-CN" altLang="en-US" smtClean="0"/>
               <a:t>2024/3/10</a:t>
             </a:fld>
@@ -671,7 +671,7 @@
           <p:cNvPr id="5" name="页脚占位符 4">
             <a:extLst>
               <a:ext uri="{FF2B5EF4-FFF2-40B4-BE49-F238E27FC236}">
-                <a16:creationId xmlns:a16="http://schemas.microsoft.com/office/drawing/2014/main" id="{3B880D24-2098-775D-0A91-9F2DAF246C0A}"/>
+                <a16:creationId xmlns:a16="http://schemas.microsoft.com/office/drawing/2014/main" id="{AE79D232-92ED-D4B7-46E4-C471CC251AE6}"/>
               </a:ext>
             </a:extLst>
           </p:cNvPr>
@@ -696,7 +696,7 @@
           <p:cNvPr id="6" name="灯片编号占位符 5">
             <a:extLst>
               <a:ext uri="{FF2B5EF4-FFF2-40B4-BE49-F238E27FC236}">
-                <a16:creationId xmlns:a16="http://schemas.microsoft.com/office/drawing/2014/main" id="{04BDD566-242F-F6BB-DEF6-DDBCA27C83F0}"/>
+                <a16:creationId xmlns:a16="http://schemas.microsoft.com/office/drawing/2014/main" id="{8EB7F19B-DA6C-C98A-C766-78DE22F881E3}"/>
               </a:ext>
             </a:extLst>
           </p:cNvPr>
@@ -712,7 +712,7 @@
           <a:bodyPr/>
           <a:lstStyle/>
           <a:p>
-            <a:fld id="{5B6C1C80-2D1C-4C77-AFFD-D149E93F62D5}" type="slidenum">
+            <a:fld id="{7CC6F450-92D7-4833-9888-24FBB616E9C3}" type="slidenum">
               <a:rPr lang="zh-CN" altLang="en-US" smtClean="0"/>
               <a:t>‹#›</a:t>
             </a:fld>
@@ -723,7 +723,7 @@
     </p:spTree>
     <p:extLst>
       <p:ext uri="{BB962C8B-B14F-4D97-AF65-F5344CB8AC3E}">
-        <p14:creationId xmlns:p14="http://schemas.microsoft.com/office/powerpoint/2010/main" val="895843644"/>
+        <p14:creationId xmlns:p14="http://schemas.microsoft.com/office/powerpoint/2010/main" val="2208514643"/>
       </p:ext>
     </p:extLst>
   </p:cSld>
@@ -755,7 +755,7 @@
           <p:cNvPr id="2" name="标题 1">
             <a:extLst>
               <a:ext uri="{FF2B5EF4-FFF2-40B4-BE49-F238E27FC236}">
-                <a16:creationId xmlns:a16="http://schemas.microsoft.com/office/drawing/2014/main" id="{BD410090-F30B-1093-CF6D-8F7AD785E728}"/>
+                <a16:creationId xmlns:a16="http://schemas.microsoft.com/office/drawing/2014/main" id="{8FBE454C-03F1-A493-A720-14073E19AA86}"/>
               </a:ext>
             </a:extLst>
           </p:cNvPr>
@@ -783,7 +783,7 @@
           <p:cNvPr id="3" name="内容占位符 2">
             <a:extLst>
               <a:ext uri="{FF2B5EF4-FFF2-40B4-BE49-F238E27FC236}">
-                <a16:creationId xmlns:a16="http://schemas.microsoft.com/office/drawing/2014/main" id="{8744B594-1224-7706-F506-5548F18285E4}"/>
+                <a16:creationId xmlns:a16="http://schemas.microsoft.com/office/drawing/2014/main" id="{727B50BF-353E-3EE6-E846-2A5620DC8FD9}"/>
               </a:ext>
             </a:extLst>
           </p:cNvPr>
@@ -840,7 +840,7 @@
           <p:cNvPr id="4" name="日期占位符 3">
             <a:extLst>
               <a:ext uri="{FF2B5EF4-FFF2-40B4-BE49-F238E27FC236}">
-                <a16:creationId xmlns:a16="http://schemas.microsoft.com/office/drawing/2014/main" id="{C3398D89-DF7F-5948-E687-3DA7EB2EC922}"/>
+                <a16:creationId xmlns:a16="http://schemas.microsoft.com/office/drawing/2014/main" id="{D679948D-6171-9FBC-9CC6-FA177289C329}"/>
               </a:ext>
             </a:extLst>
           </p:cNvPr>
@@ -856,7 +856,7 @@
           <a:bodyPr/>
           <a:lstStyle/>
           <a:p>
-            <a:fld id="{EA8458E0-8657-465F-8B98-B8F8FEDA8776}" type="datetimeFigureOut">
+            <a:fld id="{BD300C9F-15BE-4695-A2A3-C389B62D3505}" type="datetimeFigureOut">
               <a:rPr lang="zh-CN" altLang="en-US" smtClean="0"/>
               <a:t>2024/3/10</a:t>
             </a:fld>
@@ -869,7 +869,7 @@
           <p:cNvPr id="5" name="页脚占位符 4">
             <a:extLst>
               <a:ext uri="{FF2B5EF4-FFF2-40B4-BE49-F238E27FC236}">
-                <a16:creationId xmlns:a16="http://schemas.microsoft.com/office/drawing/2014/main" id="{D64DCB75-7FA5-ED9F-0A48-F97210A9B5BA}"/>
+                <a16:creationId xmlns:a16="http://schemas.microsoft.com/office/drawing/2014/main" id="{C283FB44-CAC6-040A-7D87-E6FFA06C3980}"/>
               </a:ext>
             </a:extLst>
           </p:cNvPr>
@@ -894,7 +894,7 @@
           <p:cNvPr id="6" name="灯片编号占位符 5">
             <a:extLst>
               <a:ext uri="{FF2B5EF4-FFF2-40B4-BE49-F238E27FC236}">
-                <a16:creationId xmlns:a16="http://schemas.microsoft.com/office/drawing/2014/main" id="{4E6A3357-EEF7-0141-EDB4-EB84D237D26E}"/>
+                <a16:creationId xmlns:a16="http://schemas.microsoft.com/office/drawing/2014/main" id="{784745D8-31CF-FA6E-F14F-3D7EEE25FAAE}"/>
               </a:ext>
             </a:extLst>
           </p:cNvPr>
@@ -910,7 +910,7 @@
           <a:bodyPr/>
           <a:lstStyle/>
           <a:p>
-            <a:fld id="{5B6C1C80-2D1C-4C77-AFFD-D149E93F62D5}" type="slidenum">
+            <a:fld id="{7CC6F450-92D7-4833-9888-24FBB616E9C3}" type="slidenum">
               <a:rPr lang="zh-CN" altLang="en-US" smtClean="0"/>
               <a:t>‹#›</a:t>
             </a:fld>
@@ -921,7 +921,7 @@
     </p:spTree>
     <p:extLst>
       <p:ext uri="{BB962C8B-B14F-4D97-AF65-F5344CB8AC3E}">
-        <p14:creationId xmlns:p14="http://schemas.microsoft.com/office/powerpoint/2010/main" val="1620847154"/>
+        <p14:creationId xmlns:p14="http://schemas.microsoft.com/office/powerpoint/2010/main" val="4254704961"/>
       </p:ext>
     </p:extLst>
   </p:cSld>
@@ -953,7 +953,7 @@
           <p:cNvPr id="2" name="标题 1">
             <a:extLst>
               <a:ext uri="{FF2B5EF4-FFF2-40B4-BE49-F238E27FC236}">
-                <a16:creationId xmlns:a16="http://schemas.microsoft.com/office/drawing/2014/main" id="{AFE9B3E5-6684-7AF2-1CFD-F9C289ED3164}"/>
+                <a16:creationId xmlns:a16="http://schemas.microsoft.com/office/drawing/2014/main" id="{948B1187-D521-5EB3-E32D-4A575CB1FE31}"/>
               </a:ext>
             </a:extLst>
           </p:cNvPr>
@@ -990,7 +990,7 @@
           <p:cNvPr id="3" name="文本占位符 2">
             <a:extLst>
               <a:ext uri="{FF2B5EF4-FFF2-40B4-BE49-F238E27FC236}">
-                <a16:creationId xmlns:a16="http://schemas.microsoft.com/office/drawing/2014/main" id="{F184C9E3-2D94-9BCA-1BDC-FA1ED0A3325C}"/>
+                <a16:creationId xmlns:a16="http://schemas.microsoft.com/office/drawing/2014/main" id="{97FCA4B7-DAD5-B8D6-7711-5112DD480938}"/>
               </a:ext>
             </a:extLst>
           </p:cNvPr>
@@ -1115,7 +1115,7 @@
           <p:cNvPr id="4" name="日期占位符 3">
             <a:extLst>
               <a:ext uri="{FF2B5EF4-FFF2-40B4-BE49-F238E27FC236}">
-                <a16:creationId xmlns:a16="http://schemas.microsoft.com/office/drawing/2014/main" id="{009AC4E5-EAE6-76C2-46AC-93E1878A1BAF}"/>
+                <a16:creationId xmlns:a16="http://schemas.microsoft.com/office/drawing/2014/main" id="{721E9A0C-2F03-BDA5-B80C-EED045BAC8E4}"/>
               </a:ext>
             </a:extLst>
           </p:cNvPr>
@@ -1131,7 +1131,7 @@
           <a:bodyPr/>
           <a:lstStyle/>
           <a:p>
-            <a:fld id="{EA8458E0-8657-465F-8B98-B8F8FEDA8776}" type="datetimeFigureOut">
+            <a:fld id="{BD300C9F-15BE-4695-A2A3-C389B62D3505}" type="datetimeFigureOut">
               <a:rPr lang="zh-CN" altLang="en-US" smtClean="0"/>
               <a:t>2024/3/10</a:t>
             </a:fld>
@@ -1144,7 +1144,7 @@
           <p:cNvPr id="5" name="页脚占位符 4">
             <a:extLst>
               <a:ext uri="{FF2B5EF4-FFF2-40B4-BE49-F238E27FC236}">
-                <a16:creationId xmlns:a16="http://schemas.microsoft.com/office/drawing/2014/main" id="{F3611C4F-697B-5D0B-FDA3-4D4A86725184}"/>
+                <a16:creationId xmlns:a16="http://schemas.microsoft.com/office/drawing/2014/main" id="{0DC61A69-8486-A402-B571-0D1E6C270BBE}"/>
               </a:ext>
             </a:extLst>
           </p:cNvPr>
@@ -1169,7 +1169,7 @@
           <p:cNvPr id="6" name="灯片编号占位符 5">
             <a:extLst>
               <a:ext uri="{FF2B5EF4-FFF2-40B4-BE49-F238E27FC236}">
-                <a16:creationId xmlns:a16="http://schemas.microsoft.com/office/drawing/2014/main" id="{20254D0E-DC52-B04A-90F6-B69DDFB06B16}"/>
+                <a16:creationId xmlns:a16="http://schemas.microsoft.com/office/drawing/2014/main" id="{9A370D51-4587-BC94-F350-995A2252C68D}"/>
               </a:ext>
             </a:extLst>
           </p:cNvPr>
@@ -1185,7 +1185,7 @@
           <a:bodyPr/>
           <a:lstStyle/>
           <a:p>
-            <a:fld id="{5B6C1C80-2D1C-4C77-AFFD-D149E93F62D5}" type="slidenum">
+            <a:fld id="{7CC6F450-92D7-4833-9888-24FBB616E9C3}" type="slidenum">
               <a:rPr lang="zh-CN" altLang="en-US" smtClean="0"/>
               <a:t>‹#›</a:t>
             </a:fld>
@@ -1196,7 +1196,7 @@
     </p:spTree>
     <p:extLst>
       <p:ext uri="{BB962C8B-B14F-4D97-AF65-F5344CB8AC3E}">
-        <p14:creationId xmlns:p14="http://schemas.microsoft.com/office/powerpoint/2010/main" val="3889883793"/>
+        <p14:creationId xmlns:p14="http://schemas.microsoft.com/office/powerpoint/2010/main" val="3173525453"/>
       </p:ext>
     </p:extLst>
   </p:cSld>
@@ -1228,7 +1228,7 @@
           <p:cNvPr id="2" name="标题 1">
             <a:extLst>
               <a:ext uri="{FF2B5EF4-FFF2-40B4-BE49-F238E27FC236}">
-                <a16:creationId xmlns:a16="http://schemas.microsoft.com/office/drawing/2014/main" id="{3794B20B-8537-C942-AF98-F4385EAC9F49}"/>
+                <a16:creationId xmlns:a16="http://schemas.microsoft.com/office/drawing/2014/main" id="{3842271B-3740-8248-1EB7-EFAC3A3DC865}"/>
               </a:ext>
             </a:extLst>
           </p:cNvPr>
@@ -1256,7 +1256,7 @@
           <p:cNvPr id="3" name="内容占位符 2">
             <a:extLst>
               <a:ext uri="{FF2B5EF4-FFF2-40B4-BE49-F238E27FC236}">
-                <a16:creationId xmlns:a16="http://schemas.microsoft.com/office/drawing/2014/main" id="{24E87E7A-BFF3-745C-86BF-BB54199BA187}"/>
+                <a16:creationId xmlns:a16="http://schemas.microsoft.com/office/drawing/2014/main" id="{136D5105-E981-7D96-D3A1-DBE8A3FE32B2}"/>
               </a:ext>
             </a:extLst>
           </p:cNvPr>
@@ -1318,7 +1318,7 @@
           <p:cNvPr id="4" name="内容占位符 3">
             <a:extLst>
               <a:ext uri="{FF2B5EF4-FFF2-40B4-BE49-F238E27FC236}">
-                <a16:creationId xmlns:a16="http://schemas.microsoft.com/office/drawing/2014/main" id="{F84EEB67-8ABE-7865-4E11-F4455E66C821}"/>
+                <a16:creationId xmlns:a16="http://schemas.microsoft.com/office/drawing/2014/main" id="{8042954F-9B48-1208-F810-18576822C129}"/>
               </a:ext>
             </a:extLst>
           </p:cNvPr>
@@ -1380,7 +1380,7 @@
           <p:cNvPr id="5" name="日期占位符 4">
             <a:extLst>
               <a:ext uri="{FF2B5EF4-FFF2-40B4-BE49-F238E27FC236}">
-                <a16:creationId xmlns:a16="http://schemas.microsoft.com/office/drawing/2014/main" id="{A641CF67-64C5-CE2E-ABA9-492CACE829DD}"/>
+                <a16:creationId xmlns:a16="http://schemas.microsoft.com/office/drawing/2014/main" id="{41859E34-39B8-4374-A875-C5A7D3A4D11A}"/>
               </a:ext>
             </a:extLst>
           </p:cNvPr>
@@ -1396,7 +1396,7 @@
           <a:bodyPr/>
           <a:lstStyle/>
           <a:p>
-            <a:fld id="{EA8458E0-8657-465F-8B98-B8F8FEDA8776}" type="datetimeFigureOut">
+            <a:fld id="{BD300C9F-15BE-4695-A2A3-C389B62D3505}" type="datetimeFigureOut">
               <a:rPr lang="zh-CN" altLang="en-US" smtClean="0"/>
               <a:t>2024/3/10</a:t>
             </a:fld>
@@ -1409,7 +1409,7 @@
           <p:cNvPr id="6" name="页脚占位符 5">
             <a:extLst>
               <a:ext uri="{FF2B5EF4-FFF2-40B4-BE49-F238E27FC236}">
-                <a16:creationId xmlns:a16="http://schemas.microsoft.com/office/drawing/2014/main" id="{7F4845AD-4A64-7955-90A5-8B6FB98CD73F}"/>
+                <a16:creationId xmlns:a16="http://schemas.microsoft.com/office/drawing/2014/main" id="{75163EF1-56C6-0708-CB49-BCF790D03E47}"/>
               </a:ext>
             </a:extLst>
           </p:cNvPr>
@@ -1434,7 +1434,7 @@
           <p:cNvPr id="7" name="灯片编号占位符 6">
             <a:extLst>
               <a:ext uri="{FF2B5EF4-FFF2-40B4-BE49-F238E27FC236}">
-                <a16:creationId xmlns:a16="http://schemas.microsoft.com/office/drawing/2014/main" id="{86932B51-CA71-9D74-23AC-BD617A292733}"/>
+                <a16:creationId xmlns:a16="http://schemas.microsoft.com/office/drawing/2014/main" id="{B9166733-7661-B420-59AB-776743516021}"/>
               </a:ext>
             </a:extLst>
           </p:cNvPr>
@@ -1450,7 +1450,7 @@
           <a:bodyPr/>
           <a:lstStyle/>
           <a:p>
-            <a:fld id="{5B6C1C80-2D1C-4C77-AFFD-D149E93F62D5}" type="slidenum">
+            <a:fld id="{7CC6F450-92D7-4833-9888-24FBB616E9C3}" type="slidenum">
               <a:rPr lang="zh-CN" altLang="en-US" smtClean="0"/>
               <a:t>‹#›</a:t>
             </a:fld>
@@ -1461,7 +1461,7 @@
     </p:spTree>
     <p:extLst>
       <p:ext uri="{BB962C8B-B14F-4D97-AF65-F5344CB8AC3E}">
-        <p14:creationId xmlns:p14="http://schemas.microsoft.com/office/powerpoint/2010/main" val="2787569457"/>
+        <p14:creationId xmlns:p14="http://schemas.microsoft.com/office/powerpoint/2010/main" val="2922378805"/>
       </p:ext>
     </p:extLst>
   </p:cSld>
@@ -1493,7 +1493,7 @@
           <p:cNvPr id="2" name="标题 1">
             <a:extLst>
               <a:ext uri="{FF2B5EF4-FFF2-40B4-BE49-F238E27FC236}">
-                <a16:creationId xmlns:a16="http://schemas.microsoft.com/office/drawing/2014/main" id="{21C2F3B9-73CE-6DBF-DBBA-3463F427575E}"/>
+                <a16:creationId xmlns:a16="http://schemas.microsoft.com/office/drawing/2014/main" id="{CE439DC9-4F80-0234-2693-8A35EDB523AF}"/>
               </a:ext>
             </a:extLst>
           </p:cNvPr>
@@ -1526,7 +1526,7 @@
           <p:cNvPr id="3" name="文本占位符 2">
             <a:extLst>
               <a:ext uri="{FF2B5EF4-FFF2-40B4-BE49-F238E27FC236}">
-                <a16:creationId xmlns:a16="http://schemas.microsoft.com/office/drawing/2014/main" id="{7F72A7EE-05E2-9D15-291F-2A6E53D438B2}"/>
+                <a16:creationId xmlns:a16="http://schemas.microsoft.com/office/drawing/2014/main" id="{9DCB916B-1E23-8C3E-6717-907D195BEC77}"/>
               </a:ext>
             </a:extLst>
           </p:cNvPr>
@@ -1597,7 +1597,7 @@
           <p:cNvPr id="4" name="内容占位符 3">
             <a:extLst>
               <a:ext uri="{FF2B5EF4-FFF2-40B4-BE49-F238E27FC236}">
-                <a16:creationId xmlns:a16="http://schemas.microsoft.com/office/drawing/2014/main" id="{08A98C39-2479-5295-D59E-6569FC86BF2D}"/>
+                <a16:creationId xmlns:a16="http://schemas.microsoft.com/office/drawing/2014/main" id="{B94B6D9D-AF7C-9B77-1BC8-53AD5AFA85C6}"/>
               </a:ext>
             </a:extLst>
           </p:cNvPr>
@@ -1659,7 +1659,7 @@
           <p:cNvPr id="5" name="文本占位符 4">
             <a:extLst>
               <a:ext uri="{FF2B5EF4-FFF2-40B4-BE49-F238E27FC236}">
-                <a16:creationId xmlns:a16="http://schemas.microsoft.com/office/drawing/2014/main" id="{4ECBEC8E-1480-DF55-9E8C-1ACE909B4B64}"/>
+                <a16:creationId xmlns:a16="http://schemas.microsoft.com/office/drawing/2014/main" id="{E15B3FC6-3FE8-7537-5071-DED4FAF2F8C4}"/>
               </a:ext>
             </a:extLst>
           </p:cNvPr>
@@ -1730,7 +1730,7 @@
           <p:cNvPr id="6" name="内容占位符 5">
             <a:extLst>
               <a:ext uri="{FF2B5EF4-FFF2-40B4-BE49-F238E27FC236}">
-                <a16:creationId xmlns:a16="http://schemas.microsoft.com/office/drawing/2014/main" id="{40425252-AE9B-118C-5139-5FF7502114CC}"/>
+                <a16:creationId xmlns:a16="http://schemas.microsoft.com/office/drawing/2014/main" id="{8A4AE0D2-26E9-FD0B-8601-E5ACB73D6B81}"/>
               </a:ext>
             </a:extLst>
           </p:cNvPr>
@@ -1792,7 +1792,7 @@
           <p:cNvPr id="7" name="日期占位符 6">
             <a:extLst>
               <a:ext uri="{FF2B5EF4-FFF2-40B4-BE49-F238E27FC236}">
-                <a16:creationId xmlns:a16="http://schemas.microsoft.com/office/drawing/2014/main" id="{CCFF64F7-71D3-BFFE-ABEF-FD43F453C47D}"/>
+                <a16:creationId xmlns:a16="http://schemas.microsoft.com/office/drawing/2014/main" id="{A7387976-F59E-201B-8225-14DCA2E5BEE6}"/>
               </a:ext>
             </a:extLst>
           </p:cNvPr>
@@ -1808,7 +1808,7 @@
           <a:bodyPr/>
           <a:lstStyle/>
           <a:p>
-            <a:fld id="{EA8458E0-8657-465F-8B98-B8F8FEDA8776}" type="datetimeFigureOut">
+            <a:fld id="{BD300C9F-15BE-4695-A2A3-C389B62D3505}" type="datetimeFigureOut">
               <a:rPr lang="zh-CN" altLang="en-US" smtClean="0"/>
               <a:t>2024/3/10</a:t>
             </a:fld>
@@ -1821,7 +1821,7 @@
           <p:cNvPr id="8" name="页脚占位符 7">
             <a:extLst>
               <a:ext uri="{FF2B5EF4-FFF2-40B4-BE49-F238E27FC236}">
-                <a16:creationId xmlns:a16="http://schemas.microsoft.com/office/drawing/2014/main" id="{9D4FF381-3E79-F890-99A1-11ACE8DBC416}"/>
+                <a16:creationId xmlns:a16="http://schemas.microsoft.com/office/drawing/2014/main" id="{6B92C8C4-3BA7-12C6-806E-5B6175FFEBEF}"/>
               </a:ext>
             </a:extLst>
           </p:cNvPr>
@@ -1846,7 +1846,7 @@
           <p:cNvPr id="9" name="灯片编号占位符 8">
             <a:extLst>
               <a:ext uri="{FF2B5EF4-FFF2-40B4-BE49-F238E27FC236}">
-                <a16:creationId xmlns:a16="http://schemas.microsoft.com/office/drawing/2014/main" id="{70595673-DD59-1183-F2CB-6F5FE73D7EB9}"/>
+                <a16:creationId xmlns:a16="http://schemas.microsoft.com/office/drawing/2014/main" id="{69F2CDC6-658A-140E-62ED-8CF1E06A4819}"/>
               </a:ext>
             </a:extLst>
           </p:cNvPr>
@@ -1862,7 +1862,7 @@
           <a:bodyPr/>
           <a:lstStyle/>
           <a:p>
-            <a:fld id="{5B6C1C80-2D1C-4C77-AFFD-D149E93F62D5}" type="slidenum">
+            <a:fld id="{7CC6F450-92D7-4833-9888-24FBB616E9C3}" type="slidenum">
               <a:rPr lang="zh-CN" altLang="en-US" smtClean="0"/>
               <a:t>‹#›</a:t>
             </a:fld>
@@ -1873,7 +1873,7 @@
     </p:spTree>
     <p:extLst>
       <p:ext uri="{BB962C8B-B14F-4D97-AF65-F5344CB8AC3E}">
-        <p14:creationId xmlns:p14="http://schemas.microsoft.com/office/powerpoint/2010/main" val="1799936935"/>
+        <p14:creationId xmlns:p14="http://schemas.microsoft.com/office/powerpoint/2010/main" val="2764682902"/>
       </p:ext>
     </p:extLst>
   </p:cSld>
@@ -1905,7 +1905,7 @@
           <p:cNvPr id="2" name="标题 1">
             <a:extLst>
               <a:ext uri="{FF2B5EF4-FFF2-40B4-BE49-F238E27FC236}">
-                <a16:creationId xmlns:a16="http://schemas.microsoft.com/office/drawing/2014/main" id="{256590B3-713B-8C71-3E02-7E1D32058335}"/>
+                <a16:creationId xmlns:a16="http://schemas.microsoft.com/office/drawing/2014/main" id="{DAD82DCE-8C27-CBD4-6CE8-D61425FBA477}"/>
               </a:ext>
             </a:extLst>
           </p:cNvPr>
@@ -1933,7 +1933,7 @@
           <p:cNvPr id="3" name="日期占位符 2">
             <a:extLst>
               <a:ext uri="{FF2B5EF4-FFF2-40B4-BE49-F238E27FC236}">
-                <a16:creationId xmlns:a16="http://schemas.microsoft.com/office/drawing/2014/main" id="{6A837C69-1B1B-3E73-4599-C87FF45A5DD9}"/>
+                <a16:creationId xmlns:a16="http://schemas.microsoft.com/office/drawing/2014/main" id="{D618436D-2AB4-A171-4BEA-A3D3F7DF2BF4}"/>
               </a:ext>
             </a:extLst>
           </p:cNvPr>
@@ -1949,7 +1949,7 @@
           <a:bodyPr/>
           <a:lstStyle/>
           <a:p>
-            <a:fld id="{EA8458E0-8657-465F-8B98-B8F8FEDA8776}" type="datetimeFigureOut">
+            <a:fld id="{BD300C9F-15BE-4695-A2A3-C389B62D3505}" type="datetimeFigureOut">
               <a:rPr lang="zh-CN" altLang="en-US" smtClean="0"/>
               <a:t>2024/3/10</a:t>
             </a:fld>
@@ -1962,7 +1962,7 @@
           <p:cNvPr id="4" name="页脚占位符 3">
             <a:extLst>
               <a:ext uri="{FF2B5EF4-FFF2-40B4-BE49-F238E27FC236}">
-                <a16:creationId xmlns:a16="http://schemas.microsoft.com/office/drawing/2014/main" id="{68881E5B-4D96-DA23-B384-759C9045FE30}"/>
+                <a16:creationId xmlns:a16="http://schemas.microsoft.com/office/drawing/2014/main" id="{A6CC181A-5F12-AE96-D976-5DCBDB211152}"/>
               </a:ext>
             </a:extLst>
           </p:cNvPr>
@@ -1987,7 +1987,7 @@
           <p:cNvPr id="5" name="灯片编号占位符 4">
             <a:extLst>
               <a:ext uri="{FF2B5EF4-FFF2-40B4-BE49-F238E27FC236}">
-                <a16:creationId xmlns:a16="http://schemas.microsoft.com/office/drawing/2014/main" id="{1C97EFEE-0445-3EE7-5B38-A903D3BD51F3}"/>
+                <a16:creationId xmlns:a16="http://schemas.microsoft.com/office/drawing/2014/main" id="{AAF12539-4A10-71CA-4F76-80819A1A7746}"/>
               </a:ext>
             </a:extLst>
           </p:cNvPr>
@@ -2003,7 +2003,7 @@
           <a:bodyPr/>
           <a:lstStyle/>
           <a:p>
-            <a:fld id="{5B6C1C80-2D1C-4C77-AFFD-D149E93F62D5}" type="slidenum">
+            <a:fld id="{7CC6F450-92D7-4833-9888-24FBB616E9C3}" type="slidenum">
               <a:rPr lang="zh-CN" altLang="en-US" smtClean="0"/>
               <a:t>‹#›</a:t>
             </a:fld>
@@ -2014,7 +2014,7 @@
     </p:spTree>
     <p:extLst>
       <p:ext uri="{BB962C8B-B14F-4D97-AF65-F5344CB8AC3E}">
-        <p14:creationId xmlns:p14="http://schemas.microsoft.com/office/powerpoint/2010/main" val="291976255"/>
+        <p14:creationId xmlns:p14="http://schemas.microsoft.com/office/powerpoint/2010/main" val="2385658115"/>
       </p:ext>
     </p:extLst>
   </p:cSld>
@@ -2046,7 +2046,7 @@
           <p:cNvPr id="2" name="日期占位符 1">
             <a:extLst>
               <a:ext uri="{FF2B5EF4-FFF2-40B4-BE49-F238E27FC236}">
-                <a16:creationId xmlns:a16="http://schemas.microsoft.com/office/drawing/2014/main" id="{BF0C8E1A-E388-376C-0AE0-292AA1097151}"/>
+                <a16:creationId xmlns:a16="http://schemas.microsoft.com/office/drawing/2014/main" id="{2CEB43FB-3270-3512-339C-955DE67A0350}"/>
               </a:ext>
             </a:extLst>
           </p:cNvPr>
@@ -2062,7 +2062,7 @@
           <a:bodyPr/>
           <a:lstStyle/>
           <a:p>
-            <a:fld id="{EA8458E0-8657-465F-8B98-B8F8FEDA8776}" type="datetimeFigureOut">
+            <a:fld id="{BD300C9F-15BE-4695-A2A3-C389B62D3505}" type="datetimeFigureOut">
               <a:rPr lang="zh-CN" altLang="en-US" smtClean="0"/>
               <a:t>2024/3/10</a:t>
             </a:fld>
@@ -2075,7 +2075,7 @@
           <p:cNvPr id="3" name="页脚占位符 2">
             <a:extLst>
               <a:ext uri="{FF2B5EF4-FFF2-40B4-BE49-F238E27FC236}">
-                <a16:creationId xmlns:a16="http://schemas.microsoft.com/office/drawing/2014/main" id="{95D4AF23-CF79-D0E9-EFFA-2C86A0A79D0B}"/>
+                <a16:creationId xmlns:a16="http://schemas.microsoft.com/office/drawing/2014/main" id="{E27138D9-A74F-11FD-E6CF-254C8755D66E}"/>
               </a:ext>
             </a:extLst>
           </p:cNvPr>
@@ -2100,7 +2100,7 @@
           <p:cNvPr id="4" name="灯片编号占位符 3">
             <a:extLst>
               <a:ext uri="{FF2B5EF4-FFF2-40B4-BE49-F238E27FC236}">
-                <a16:creationId xmlns:a16="http://schemas.microsoft.com/office/drawing/2014/main" id="{839DE93A-3808-4199-A2A9-C4BD3C565FBD}"/>
+                <a16:creationId xmlns:a16="http://schemas.microsoft.com/office/drawing/2014/main" id="{C9C0D027-D8A3-3510-87A9-76F5C6405E3A}"/>
               </a:ext>
             </a:extLst>
           </p:cNvPr>
@@ -2116,7 +2116,7 @@
           <a:bodyPr/>
           <a:lstStyle/>
           <a:p>
-            <a:fld id="{5B6C1C80-2D1C-4C77-AFFD-D149E93F62D5}" type="slidenum">
+            <a:fld id="{7CC6F450-92D7-4833-9888-24FBB616E9C3}" type="slidenum">
               <a:rPr lang="zh-CN" altLang="en-US" smtClean="0"/>
               <a:t>‹#›</a:t>
             </a:fld>
@@ -2127,7 +2127,7 @@
     </p:spTree>
     <p:extLst>
       <p:ext uri="{BB962C8B-B14F-4D97-AF65-F5344CB8AC3E}">
-        <p14:creationId xmlns:p14="http://schemas.microsoft.com/office/powerpoint/2010/main" val="759822802"/>
+        <p14:creationId xmlns:p14="http://schemas.microsoft.com/office/powerpoint/2010/main" val="273607984"/>
       </p:ext>
     </p:extLst>
   </p:cSld>
@@ -2159,7 +2159,7 @@
           <p:cNvPr id="2" name="标题 1">
             <a:extLst>
               <a:ext uri="{FF2B5EF4-FFF2-40B4-BE49-F238E27FC236}">
-                <a16:creationId xmlns:a16="http://schemas.microsoft.com/office/drawing/2014/main" id="{8647372D-C751-DF3A-EB89-2C8873C0F81C}"/>
+                <a16:creationId xmlns:a16="http://schemas.microsoft.com/office/drawing/2014/main" id="{707CB898-564E-68DB-516C-7199E6DD38EA}"/>
               </a:ext>
             </a:extLst>
           </p:cNvPr>
@@ -2196,7 +2196,7 @@
           <p:cNvPr id="3" name="内容占位符 2">
             <a:extLst>
               <a:ext uri="{FF2B5EF4-FFF2-40B4-BE49-F238E27FC236}">
-                <a16:creationId xmlns:a16="http://schemas.microsoft.com/office/drawing/2014/main" id="{C9B280F6-7F3A-0449-D597-5CB3C8E8B8F6}"/>
+                <a16:creationId xmlns:a16="http://schemas.microsoft.com/office/drawing/2014/main" id="{5DDF3F25-7EC4-D752-1107-B73A105B8DD4}"/>
               </a:ext>
             </a:extLst>
           </p:cNvPr>
@@ -2286,7 +2286,7 @@
           <p:cNvPr id="4" name="文本占位符 3">
             <a:extLst>
               <a:ext uri="{FF2B5EF4-FFF2-40B4-BE49-F238E27FC236}">
-                <a16:creationId xmlns:a16="http://schemas.microsoft.com/office/drawing/2014/main" id="{CCFE9A43-E5BB-3E3D-3A32-B3D853A1F81E}"/>
+                <a16:creationId xmlns:a16="http://schemas.microsoft.com/office/drawing/2014/main" id="{709DA974-B946-4279-65D3-FA353FEBFB6F}"/>
               </a:ext>
             </a:extLst>
           </p:cNvPr>
@@ -2357,7 +2357,7 @@
           <p:cNvPr id="5" name="日期占位符 4">
             <a:extLst>
               <a:ext uri="{FF2B5EF4-FFF2-40B4-BE49-F238E27FC236}">
-                <a16:creationId xmlns:a16="http://schemas.microsoft.com/office/drawing/2014/main" id="{1E688BE4-6B59-892A-C2EA-F3D0CBFC81C6}"/>
+                <a16:creationId xmlns:a16="http://schemas.microsoft.com/office/drawing/2014/main" id="{8AF32914-D9A8-692E-EF7D-300F994CC8DA}"/>
               </a:ext>
             </a:extLst>
           </p:cNvPr>
@@ -2373,7 +2373,7 @@
           <a:bodyPr/>
           <a:lstStyle/>
           <a:p>
-            <a:fld id="{EA8458E0-8657-465F-8B98-B8F8FEDA8776}" type="datetimeFigureOut">
+            <a:fld id="{BD300C9F-15BE-4695-A2A3-C389B62D3505}" type="datetimeFigureOut">
               <a:rPr lang="zh-CN" altLang="en-US" smtClean="0"/>
               <a:t>2024/3/10</a:t>
             </a:fld>
@@ -2386,7 +2386,7 @@
           <p:cNvPr id="6" name="页脚占位符 5">
             <a:extLst>
               <a:ext uri="{FF2B5EF4-FFF2-40B4-BE49-F238E27FC236}">
-                <a16:creationId xmlns:a16="http://schemas.microsoft.com/office/drawing/2014/main" id="{380D959E-D967-EC74-86EE-CCD6A2ABA253}"/>
+                <a16:creationId xmlns:a16="http://schemas.microsoft.com/office/drawing/2014/main" id="{2F9BF117-B880-02BC-3E0C-DB0113AB27B2}"/>
               </a:ext>
             </a:extLst>
           </p:cNvPr>
@@ -2411,7 +2411,7 @@
           <p:cNvPr id="7" name="灯片编号占位符 6">
             <a:extLst>
               <a:ext uri="{FF2B5EF4-FFF2-40B4-BE49-F238E27FC236}">
-                <a16:creationId xmlns:a16="http://schemas.microsoft.com/office/drawing/2014/main" id="{B03AD7CC-F388-C98F-3910-1D38CBE62C2B}"/>
+                <a16:creationId xmlns:a16="http://schemas.microsoft.com/office/drawing/2014/main" id="{7C068966-E165-7681-328D-E1265DAAF666}"/>
               </a:ext>
             </a:extLst>
           </p:cNvPr>
@@ -2427,7 +2427,7 @@
           <a:bodyPr/>
           <a:lstStyle/>
           <a:p>
-            <a:fld id="{5B6C1C80-2D1C-4C77-AFFD-D149E93F62D5}" type="slidenum">
+            <a:fld id="{7CC6F450-92D7-4833-9888-24FBB616E9C3}" type="slidenum">
               <a:rPr lang="zh-CN" altLang="en-US" smtClean="0"/>
               <a:t>‹#›</a:t>
             </a:fld>
@@ -2438,7 +2438,7 @@
     </p:spTree>
     <p:extLst>
       <p:ext uri="{BB962C8B-B14F-4D97-AF65-F5344CB8AC3E}">
-        <p14:creationId xmlns:p14="http://schemas.microsoft.com/office/powerpoint/2010/main" val="1330932758"/>
+        <p14:creationId xmlns:p14="http://schemas.microsoft.com/office/powerpoint/2010/main" val="4010121253"/>
       </p:ext>
     </p:extLst>
   </p:cSld>
@@ -2470,7 +2470,7 @@
           <p:cNvPr id="2" name="标题 1">
             <a:extLst>
               <a:ext uri="{FF2B5EF4-FFF2-40B4-BE49-F238E27FC236}">
-                <a16:creationId xmlns:a16="http://schemas.microsoft.com/office/drawing/2014/main" id="{C44AB13B-914E-2843-1341-52B073D4F3C1}"/>
+                <a16:creationId xmlns:a16="http://schemas.microsoft.com/office/drawing/2014/main" id="{7E01B7EB-F9BA-A18F-0364-B304CBEAE1F7}"/>
               </a:ext>
             </a:extLst>
           </p:cNvPr>
@@ -2507,7 +2507,7 @@
           <p:cNvPr id="3" name="图片占位符 2">
             <a:extLst>
               <a:ext uri="{FF2B5EF4-FFF2-40B4-BE49-F238E27FC236}">
-                <a16:creationId xmlns:a16="http://schemas.microsoft.com/office/drawing/2014/main" id="{085B2383-EB9A-FA76-CAF8-97842D36E6E5}"/>
+                <a16:creationId xmlns:a16="http://schemas.microsoft.com/office/drawing/2014/main" id="{C99BE534-2366-8656-786D-80D6A6B3CA2F}"/>
               </a:ext>
             </a:extLst>
           </p:cNvPr>
@@ -2574,7 +2574,7 @@
           <p:cNvPr id="4" name="文本占位符 3">
             <a:extLst>
               <a:ext uri="{FF2B5EF4-FFF2-40B4-BE49-F238E27FC236}">
-                <a16:creationId xmlns:a16="http://schemas.microsoft.com/office/drawing/2014/main" id="{5179B9CA-6431-06C2-1888-0465D1E14569}"/>
+                <a16:creationId xmlns:a16="http://schemas.microsoft.com/office/drawing/2014/main" id="{D647D5E7-D4DA-8CFB-3BAE-08E9B5273756}"/>
               </a:ext>
             </a:extLst>
           </p:cNvPr>
@@ -2645,7 +2645,7 @@
           <p:cNvPr id="5" name="日期占位符 4">
             <a:extLst>
               <a:ext uri="{FF2B5EF4-FFF2-40B4-BE49-F238E27FC236}">
-                <a16:creationId xmlns:a16="http://schemas.microsoft.com/office/drawing/2014/main" id="{D5B3CDEA-C63B-7AA3-A321-ED047D3DF850}"/>
+                <a16:creationId xmlns:a16="http://schemas.microsoft.com/office/drawing/2014/main" id="{483B79BF-B0F3-A2A9-014D-5CC60399ADEC}"/>
               </a:ext>
             </a:extLst>
           </p:cNvPr>
@@ -2661,7 +2661,7 @@
           <a:bodyPr/>
           <a:lstStyle/>
           <a:p>
-            <a:fld id="{EA8458E0-8657-465F-8B98-B8F8FEDA8776}" type="datetimeFigureOut">
+            <a:fld id="{BD300C9F-15BE-4695-A2A3-C389B62D3505}" type="datetimeFigureOut">
               <a:rPr lang="zh-CN" altLang="en-US" smtClean="0"/>
               <a:t>2024/3/10</a:t>
             </a:fld>
@@ -2674,7 +2674,7 @@
           <p:cNvPr id="6" name="页脚占位符 5">
             <a:extLst>
               <a:ext uri="{FF2B5EF4-FFF2-40B4-BE49-F238E27FC236}">
-                <a16:creationId xmlns:a16="http://schemas.microsoft.com/office/drawing/2014/main" id="{226A8A81-FA06-F330-7AE2-32B86F484415}"/>
+                <a16:creationId xmlns:a16="http://schemas.microsoft.com/office/drawing/2014/main" id="{97736565-4FE2-9FA7-A21C-32EF47253C65}"/>
               </a:ext>
             </a:extLst>
           </p:cNvPr>
@@ -2699,7 +2699,7 @@
           <p:cNvPr id="7" name="灯片编号占位符 6">
             <a:extLst>
               <a:ext uri="{FF2B5EF4-FFF2-40B4-BE49-F238E27FC236}">
-                <a16:creationId xmlns:a16="http://schemas.microsoft.com/office/drawing/2014/main" id="{67259F19-F0C4-4324-850D-F28472E1467E}"/>
+                <a16:creationId xmlns:a16="http://schemas.microsoft.com/office/drawing/2014/main" id="{566909CA-3895-DE15-3826-AB1E5A87014C}"/>
               </a:ext>
             </a:extLst>
           </p:cNvPr>
@@ -2715,7 +2715,7 @@
           <a:bodyPr/>
           <a:lstStyle/>
           <a:p>
-            <a:fld id="{5B6C1C80-2D1C-4C77-AFFD-D149E93F62D5}" type="slidenum">
+            <a:fld id="{7CC6F450-92D7-4833-9888-24FBB616E9C3}" type="slidenum">
               <a:rPr lang="zh-CN" altLang="en-US" smtClean="0"/>
               <a:t>‹#›</a:t>
             </a:fld>
@@ -2726,7 +2726,7 @@
     </p:spTree>
     <p:extLst>
       <p:ext uri="{BB962C8B-B14F-4D97-AF65-F5344CB8AC3E}">
-        <p14:creationId xmlns:p14="http://schemas.microsoft.com/office/powerpoint/2010/main" val="1587008389"/>
+        <p14:creationId xmlns:p14="http://schemas.microsoft.com/office/powerpoint/2010/main" val="1650113216"/>
       </p:ext>
     </p:extLst>
   </p:cSld>
@@ -2763,7 +2763,7 @@
           <p:cNvPr id="2" name="标题占位符 1">
             <a:extLst>
               <a:ext uri="{FF2B5EF4-FFF2-40B4-BE49-F238E27FC236}">
-                <a16:creationId xmlns:a16="http://schemas.microsoft.com/office/drawing/2014/main" id="{C0BED075-D237-848B-9C8A-715B04A06D31}"/>
+                <a16:creationId xmlns:a16="http://schemas.microsoft.com/office/drawing/2014/main" id="{C21E8D1C-EBFD-AB33-7543-BC6F2D09D549}"/>
               </a:ext>
             </a:extLst>
           </p:cNvPr>
@@ -2801,7 +2801,7 @@
           <p:cNvPr id="3" name="文本占位符 2">
             <a:extLst>
               <a:ext uri="{FF2B5EF4-FFF2-40B4-BE49-F238E27FC236}">
-                <a16:creationId xmlns:a16="http://schemas.microsoft.com/office/drawing/2014/main" id="{193B0FC2-8EF8-91CF-2D43-4C3A5DD6F9F4}"/>
+                <a16:creationId xmlns:a16="http://schemas.microsoft.com/office/drawing/2014/main" id="{819D508B-390E-C4D5-1B6F-EFD6FE5DFE8B}"/>
               </a:ext>
             </a:extLst>
           </p:cNvPr>
@@ -2868,7 +2868,7 @@
           <p:cNvPr id="4" name="日期占位符 3">
             <a:extLst>
               <a:ext uri="{FF2B5EF4-FFF2-40B4-BE49-F238E27FC236}">
-                <a16:creationId xmlns:a16="http://schemas.microsoft.com/office/drawing/2014/main" id="{12885C9D-46F4-BFB8-F4C1-E9CAE4B7DBB7}"/>
+                <a16:creationId xmlns:a16="http://schemas.microsoft.com/office/drawing/2014/main" id="{B71149DC-CC2F-C839-9752-A9469BFFFFD6}"/>
               </a:ext>
             </a:extLst>
           </p:cNvPr>
@@ -2902,7 +2902,7 @@
             </a:lvl1pPr>
           </a:lstStyle>
           <a:p>
-            <a:fld id="{EA8458E0-8657-465F-8B98-B8F8FEDA8776}" type="datetimeFigureOut">
+            <a:fld id="{BD300C9F-15BE-4695-A2A3-C389B62D3505}" type="datetimeFigureOut">
               <a:rPr lang="zh-CN" altLang="en-US" smtClean="0"/>
               <a:t>2024/3/10</a:t>
             </a:fld>
@@ -2915,7 +2915,7 @@
           <p:cNvPr id="5" name="页脚占位符 4">
             <a:extLst>
               <a:ext uri="{FF2B5EF4-FFF2-40B4-BE49-F238E27FC236}">
-                <a16:creationId xmlns:a16="http://schemas.microsoft.com/office/drawing/2014/main" id="{B3F11433-4EB2-B340-04B6-6F9288142979}"/>
+                <a16:creationId xmlns:a16="http://schemas.microsoft.com/office/drawing/2014/main" id="{1BB6DE6B-CBDB-6692-9F01-21B178F9834A}"/>
               </a:ext>
             </a:extLst>
           </p:cNvPr>
@@ -2958,7 +2958,7 @@
           <p:cNvPr id="6" name="灯片编号占位符 5">
             <a:extLst>
               <a:ext uri="{FF2B5EF4-FFF2-40B4-BE49-F238E27FC236}">
-                <a16:creationId xmlns:a16="http://schemas.microsoft.com/office/drawing/2014/main" id="{9F26CB04-11DB-101A-9D6A-4B957AB269E6}"/>
+                <a16:creationId xmlns:a16="http://schemas.microsoft.com/office/drawing/2014/main" id="{6EA9E3B5-0B69-7322-5EBF-C2FAACC27535}"/>
               </a:ext>
             </a:extLst>
           </p:cNvPr>
@@ -2992,7 +2992,7 @@
             </a:lvl1pPr>
           </a:lstStyle>
           <a:p>
-            <a:fld id="{5B6C1C80-2D1C-4C77-AFFD-D149E93F62D5}" type="slidenum">
+            <a:fld id="{7CC6F450-92D7-4833-9888-24FBB616E9C3}" type="slidenum">
               <a:rPr lang="zh-CN" altLang="en-US" smtClean="0"/>
               <a:t>‹#›</a:t>
             </a:fld>
@@ -3003,7 +3003,7 @@
     </p:spTree>
     <p:extLst>
       <p:ext uri="{BB962C8B-B14F-4D97-AF65-F5344CB8AC3E}">
-        <p14:creationId xmlns:p14="http://schemas.microsoft.com/office/powerpoint/2010/main" val="2834206791"/>
+        <p14:creationId xmlns:p14="http://schemas.microsoft.com/office/powerpoint/2010/main" val="88129188"/>
       </p:ext>
     </p:extLst>
   </p:cSld>
